--- a/UCF Contact Manager-Final.pptx
+++ b/UCF Contact Manager-Final.pptx
@@ -1177,7 +1177,21 @@
           </a:pPr>
           <a:r>
             <a:rPr lang="en-US" sz="2000" dirty="0"/>
-            <a:t>Mason: Database</a:t>
+            <a:t>Mason: </a:t>
+          </a:r>
+        </a:p>
+        <a:p>
+          <a:pPr>
+            <a:lnSpc>
+              <a:spcPct val="100000"/>
+            </a:lnSpc>
+            <a:spcAft>
+              <a:spcPts val="800"/>
+            </a:spcAft>
+          </a:pPr>
+          <a:r>
+            <a:rPr lang="en-US" sz="2000" dirty="0"/>
+            <a:t>API/Database</a:t>
           </a:r>
         </a:p>
       </dgm:t>
@@ -1470,7 +1484,7 @@
       <dgm:spPr/>
     </dgm:pt>
     <dgm:pt modelId="{08CD7334-A020-4A5F-B0D1-94F578F42ADB}" type="pres">
-      <dgm:prSet presAssocID="{2CE8E3B4-20B1-4D51-BCBC-C6D4F41885E7}" presName="textRect" presStyleLbl="revTx" presStyleIdx="2" presStyleCnt="6">
+      <dgm:prSet presAssocID="{2CE8E3B4-20B1-4D51-BCBC-C6D4F41885E7}" presName="textRect" presStyleLbl="revTx" presStyleIdx="2" presStyleCnt="6" custScaleX="115313">
         <dgm:presLayoutVars>
           <dgm:chMax val="1"/>
           <dgm:chPref val="1"/>
@@ -1691,8 +1705,8 @@
       </dsp:nvSpPr>
       <dsp:spPr>
         <a:xfrm>
-          <a:off x="346614" y="612673"/>
-          <a:ext cx="715998" cy="715998"/>
+          <a:off x="348274" y="593068"/>
+          <a:ext cx="725310" cy="725310"/>
         </a:xfrm>
         <a:prstGeom prst="rect">
           <a:avLst/>
@@ -1742,8 +1756,8 @@
       </dsp:nvSpPr>
       <dsp:spPr>
         <a:xfrm>
-          <a:off x="71724" y="1440523"/>
-          <a:ext cx="1402698" cy="674463"/>
+          <a:off x="69808" y="1434809"/>
+          <a:ext cx="1420942" cy="704586"/>
         </a:xfrm>
         <a:prstGeom prst="rect">
           <a:avLst/>
@@ -1791,8 +1805,8 @@
         </a:p>
       </dsp:txBody>
       <dsp:txXfrm>
-        <a:off x="71724" y="1440523"/>
-        <a:ext cx="1402698" cy="674463"/>
+        <a:off x="69808" y="1434809"/>
+        <a:ext cx="1420942" cy="704586"/>
       </dsp:txXfrm>
     </dsp:sp>
     <dsp:sp modelId="{F7F64BD6-C85E-4663-AA43-4248E95F471D}">
@@ -1802,8 +1816,8 @@
       </dsp:nvSpPr>
       <dsp:spPr>
         <a:xfrm>
-          <a:off x="1869038" y="659648"/>
-          <a:ext cx="715998" cy="715998"/>
+          <a:off x="1890498" y="642141"/>
+          <a:ext cx="725310" cy="725310"/>
         </a:xfrm>
         <a:prstGeom prst="rect">
           <a:avLst/>
@@ -1852,8 +1866,8 @@
       </dsp:nvSpPr>
       <dsp:spPr>
         <a:xfrm>
-          <a:off x="1784728" y="1473875"/>
-          <a:ext cx="884619" cy="486562"/>
+          <a:off x="1805091" y="1469650"/>
+          <a:ext cx="896124" cy="508293"/>
         </a:xfrm>
         <a:prstGeom prst="rect">
           <a:avLst/>
@@ -1901,8 +1915,8 @@
         </a:p>
       </dsp:txBody>
       <dsp:txXfrm>
-        <a:off x="1784728" y="1473875"/>
-        <a:ext cx="884619" cy="486562"/>
+        <a:off x="1805091" y="1469650"/>
+        <a:ext cx="896124" cy="508293"/>
       </dsp:txXfrm>
     </dsp:sp>
     <dsp:sp modelId="{8DD313C3-1652-4351-BA9A-4D66B98FB8DE}">
@@ -1912,8 +1926,8 @@
       </dsp:nvSpPr>
       <dsp:spPr>
         <a:xfrm>
-          <a:off x="3298315" y="659648"/>
-          <a:ext cx="715998" cy="715998"/>
+          <a:off x="3432709" y="642141"/>
+          <a:ext cx="725310" cy="725310"/>
         </a:xfrm>
         <a:prstGeom prst="rect">
           <a:avLst/>
@@ -1960,8 +1974,8 @@
       </dsp:nvSpPr>
       <dsp:spPr>
         <a:xfrm>
-          <a:off x="3048112" y="1473875"/>
-          <a:ext cx="1216406" cy="486562"/>
+          <a:off x="3084906" y="1469650"/>
+          <a:ext cx="1420917" cy="508293"/>
         </a:xfrm>
         <a:prstGeom prst="rect">
           <a:avLst/>
@@ -2004,13 +2018,31 @@
           </a:pPr>
           <a:r>
             <a:rPr lang="en-US" sz="2000" kern="1200" dirty="0"/>
-            <a:t>Mason: Database</a:t>
+            <a:t>Mason: </a:t>
+          </a:r>
+        </a:p>
+        <a:p>
+          <a:pPr marL="0" lvl="0" indent="0" algn="ctr" defTabSz="889000">
+            <a:lnSpc>
+              <a:spcPct val="100000"/>
+            </a:lnSpc>
+            <a:spcBef>
+              <a:spcPct val="0"/>
+            </a:spcBef>
+            <a:spcAft>
+              <a:spcPts val="800"/>
+            </a:spcAft>
+            <a:buNone/>
+          </a:pPr>
+          <a:r>
+            <a:rPr lang="en-US" sz="2000" kern="1200" dirty="0"/>
+            <a:t>API/Database</a:t>
           </a:r>
         </a:p>
       </dsp:txBody>
       <dsp:txXfrm>
-        <a:off x="3048112" y="1473875"/>
-        <a:ext cx="1216406" cy="486562"/>
+        <a:off x="3084906" y="1469650"/>
+        <a:ext cx="1420917" cy="508293"/>
       </dsp:txXfrm>
     </dsp:sp>
     <dsp:sp modelId="{0FB14C61-CD4C-463E-80A1-EE0E3972E241}">
@@ -2020,8 +2052,8 @@
       </dsp:nvSpPr>
       <dsp:spPr>
         <a:xfrm>
-          <a:off x="4727593" y="659648"/>
-          <a:ext cx="715998" cy="715998"/>
+          <a:off x="4974921" y="642141"/>
+          <a:ext cx="725310" cy="725310"/>
         </a:xfrm>
         <a:prstGeom prst="rect">
           <a:avLst/>
@@ -2068,8 +2100,8 @@
       </dsp:nvSpPr>
       <dsp:spPr>
         <a:xfrm>
-          <a:off x="4477389" y="1473875"/>
-          <a:ext cx="1216406" cy="486562"/>
+          <a:off x="4721463" y="1469650"/>
+          <a:ext cx="1232226" cy="508293"/>
         </a:xfrm>
         <a:prstGeom prst="rect">
           <a:avLst/>
@@ -2117,8 +2149,8 @@
         </a:p>
       </dsp:txBody>
       <dsp:txXfrm>
-        <a:off x="4477389" y="1473875"/>
-        <a:ext cx="1216406" cy="486562"/>
+        <a:off x="4721463" y="1469650"/>
+        <a:ext cx="1232226" cy="508293"/>
       </dsp:txXfrm>
     </dsp:sp>
     <dsp:sp modelId="{8B60DFF2-F314-4E83-8396-DCC413BB5A33}">
@@ -2128,8 +2160,8 @@
       </dsp:nvSpPr>
       <dsp:spPr>
         <a:xfrm>
-          <a:off x="6156870" y="659648"/>
-          <a:ext cx="715998" cy="715998"/>
+          <a:off x="6422787" y="642141"/>
+          <a:ext cx="725310" cy="725310"/>
         </a:xfrm>
         <a:prstGeom prst="rect">
           <a:avLst/>
@@ -2178,8 +2210,8 @@
       </dsp:nvSpPr>
       <dsp:spPr>
         <a:xfrm>
-          <a:off x="5906666" y="1473875"/>
-          <a:ext cx="1216406" cy="486562"/>
+          <a:off x="6169329" y="1469650"/>
+          <a:ext cx="1232226" cy="508293"/>
         </a:xfrm>
         <a:prstGeom prst="rect">
           <a:avLst/>
@@ -2227,8 +2259,8 @@
         </a:p>
       </dsp:txBody>
       <dsp:txXfrm>
-        <a:off x="5906666" y="1473875"/>
-        <a:ext cx="1216406" cy="486562"/>
+        <a:off x="6169329" y="1469650"/>
+        <a:ext cx="1232226" cy="508293"/>
       </dsp:txXfrm>
     </dsp:sp>
     <dsp:sp modelId="{1074F72A-3687-45D6-A418-A782ED1004F4}">
@@ -2238,8 +2270,8 @@
       </dsp:nvSpPr>
       <dsp:spPr>
         <a:xfrm>
-          <a:off x="7586147" y="659648"/>
-          <a:ext cx="715998" cy="715998"/>
+          <a:off x="7870653" y="642141"/>
+          <a:ext cx="725310" cy="725310"/>
         </a:xfrm>
         <a:prstGeom prst="rect">
           <a:avLst/>
@@ -2286,8 +2318,8 @@
       </dsp:nvSpPr>
       <dsp:spPr>
         <a:xfrm>
-          <a:off x="7335944" y="1473875"/>
-          <a:ext cx="1216406" cy="486562"/>
+          <a:off x="7617195" y="1469650"/>
+          <a:ext cx="1232226" cy="508293"/>
         </a:xfrm>
         <a:prstGeom prst="rect">
           <a:avLst/>
@@ -2335,8 +2367,8 @@
         </a:p>
       </dsp:txBody>
       <dsp:txXfrm>
-        <a:off x="7335944" y="1473875"/>
-        <a:ext cx="1216406" cy="486562"/>
+        <a:off x="7617195" y="1469650"/>
+        <a:ext cx="1232226" cy="508293"/>
       </dsp:txXfrm>
     </dsp:sp>
   </dsp:spTree>
@@ -3649,7 +3681,7 @@
           <a:p>
             <a:fld id="{1B2B353B-17DE-F24E-9686-9B8AC9ABF674}" type="datetimeFigureOut">
               <a:rPr lang="en-US" smtClean="0"/>
-              <a:t>2/8/2020</a:t>
+              <a:t>2/11/2020</a:t>
             </a:fld>
             <a:endParaRPr lang="en-US"/>
           </a:p>
@@ -3814,7 +3846,7 @@
           <a:p>
             <a:fld id="{6A5E00F6-FCEB-3240-BF91-2FE8D291BB05}" type="datetimeFigureOut">
               <a:rPr lang="en-US" smtClean="0"/>
-              <a:t>2/8/2020</a:t>
+              <a:t>2/11/2020</a:t>
             </a:fld>
             <a:endParaRPr lang="en-US"/>
           </a:p>
@@ -4681,7 +4713,7 @@
           <a:p>
             <a:fld id="{05F0F182-A738-D344-AD4C-0014E2FCF0E4}" type="datetimeFigureOut">
               <a:rPr lang="en-US" smtClean="0"/>
-              <a:t>2/8/2020</a:t>
+              <a:t>2/11/2020</a:t>
             </a:fld>
             <a:endParaRPr lang="en-US"/>
           </a:p>
@@ -4885,7 +4917,7 @@
           <a:p>
             <a:fld id="{05F0F182-A738-D344-AD4C-0014E2FCF0E4}" type="datetimeFigureOut">
               <a:rPr lang="en-US" smtClean="0"/>
-              <a:t>2/8/2020</a:t>
+              <a:t>2/11/2020</a:t>
             </a:fld>
             <a:endParaRPr lang="en-US"/>
           </a:p>
@@ -5079,7 +5111,7 @@
           <a:p>
             <a:fld id="{05F0F182-A738-D344-AD4C-0014E2FCF0E4}" type="datetimeFigureOut">
               <a:rPr lang="en-US" smtClean="0"/>
-              <a:t>2/8/2020</a:t>
+              <a:t>2/11/2020</a:t>
             </a:fld>
             <a:endParaRPr lang="en-US"/>
           </a:p>
@@ -5352,7 +5384,7 @@
           <a:p>
             <a:fld id="{05F0F182-A738-D344-AD4C-0014E2FCF0E4}" type="datetimeFigureOut">
               <a:rPr lang="en-US" smtClean="0"/>
-              <a:t>2/8/2020</a:t>
+              <a:t>2/11/2020</a:t>
             </a:fld>
             <a:endParaRPr lang="en-US"/>
           </a:p>
@@ -5608,7 +5640,7 @@
           <a:p>
             <a:fld id="{05F0F182-A738-D344-AD4C-0014E2FCF0E4}" type="datetimeFigureOut">
               <a:rPr lang="en-US" smtClean="0"/>
-              <a:t>2/8/2020</a:t>
+              <a:t>2/11/2020</a:t>
             </a:fld>
             <a:endParaRPr lang="en-US"/>
           </a:p>
@@ -5999,7 +6031,7 @@
           <a:p>
             <a:fld id="{05F0F182-A738-D344-AD4C-0014E2FCF0E4}" type="datetimeFigureOut">
               <a:rPr lang="en-US" smtClean="0"/>
-              <a:t>2/8/2020</a:t>
+              <a:t>2/11/2020</a:t>
             </a:fld>
             <a:endParaRPr lang="en-US"/>
           </a:p>
@@ -6252,7 +6284,7 @@
           <a:p>
             <a:fld id="{05F0F182-A738-D344-AD4C-0014E2FCF0E4}" type="datetimeFigureOut">
               <a:rPr lang="en-US" smtClean="0"/>
-              <a:t>2/8/2020</a:t>
+              <a:t>2/11/2020</a:t>
             </a:fld>
             <a:endParaRPr lang="en-US"/>
           </a:p>
@@ -6553,7 +6585,7 @@
           <a:p>
             <a:fld id="{05F0F182-A738-D344-AD4C-0014E2FCF0E4}" type="datetimeFigureOut">
               <a:rPr lang="en-US" smtClean="0"/>
-              <a:t>2/8/2020</a:t>
+              <a:t>2/11/2020</a:t>
             </a:fld>
             <a:endParaRPr lang="en-US"/>
           </a:p>
@@ -6834,7 +6866,7 @@
           <a:p>
             <a:fld id="{05F0F182-A738-D344-AD4C-0014E2FCF0E4}" type="datetimeFigureOut">
               <a:rPr lang="en-US" smtClean="0"/>
-              <a:t>2/8/2020</a:t>
+              <a:t>2/11/2020</a:t>
             </a:fld>
             <a:endParaRPr lang="en-US"/>
           </a:p>
@@ -8454,14 +8486,14 @@
             <p:ph idx="1"/>
             <p:extLst>
               <p:ext uri="{D42A27DB-BD31-4B8C-83A1-F6EECF244321}">
-                <p14:modId xmlns:p14="http://schemas.microsoft.com/office/powerpoint/2010/main" val="1011844220"/>
+                <p14:modId xmlns:p14="http://schemas.microsoft.com/office/powerpoint/2010/main" val="681265199"/>
               </p:ext>
             </p:extLst>
           </p:nvPr>
         </p:nvGraphicFramePr>
         <p:xfrm>
-          <a:off x="293534" y="1082338"/>
-          <a:ext cx="8555615" cy="2620086"/>
+          <a:off x="142875" y="1082338"/>
+          <a:ext cx="8849881" cy="2620086"/>
         </p:xfrm>
         <a:graphic>
           <a:graphicData uri="http://schemas.openxmlformats.org/drawingml/2006/diagram">

--- a/UCF Contact Manager-Final.pptx
+++ b/UCF Contact Manager-Final.pptx
@@ -14,10 +14,10 @@
     <p:sldId id="267" r:id="rId2"/>
     <p:sldId id="272" r:id="rId3"/>
     <p:sldId id="274" r:id="rId4"/>
-    <p:sldId id="279" r:id="rId5"/>
-    <p:sldId id="273" r:id="rId6"/>
-    <p:sldId id="270" r:id="rId7"/>
-    <p:sldId id="277" r:id="rId8"/>
+    <p:sldId id="270" r:id="rId5"/>
+    <p:sldId id="279" r:id="rId6"/>
+    <p:sldId id="277" r:id="rId7"/>
+    <p:sldId id="273" r:id="rId8"/>
     <p:sldId id="278" r:id="rId9"/>
     <p:sldId id="280" r:id="rId10"/>
     <p:sldId id="263" r:id="rId11"/>
@@ -1133,7 +1133,7 @@
           </a:pPr>
           <a:r>
             <a:rPr lang="en-US" sz="2000" dirty="0"/>
-            <a:t>Collin: API</a:t>
+            <a:t>Collin: API/Testing</a:t>
           </a:r>
         </a:p>
       </dgm:t>
@@ -1437,7 +1437,7 @@
       <dgm:spPr/>
     </dgm:pt>
     <dgm:pt modelId="{E82A3AE7-67F0-410F-BA45-5EB0B239CCD1}" type="pres">
-      <dgm:prSet presAssocID="{8420D6BD-5435-4848-BD63-BD1E3E4469F4}" presName="textRect" presStyleLbl="revTx" presStyleIdx="1" presStyleCnt="6" custScaleX="72724">
+      <dgm:prSet presAssocID="{8420D6BD-5435-4848-BD63-BD1E3E4469F4}" presName="textRect" presStyleLbl="revTx" presStyleIdx="1" presStyleCnt="6" custScaleX="105177" custLinFactNeighborY="4146">
         <dgm:presLayoutVars>
           <dgm:chMax val="1"/>
           <dgm:chPref val="1"/>
@@ -1484,7 +1484,7 @@
       <dgm:spPr/>
     </dgm:pt>
     <dgm:pt modelId="{08CD7334-A020-4A5F-B0D1-94F578F42ADB}" type="pres">
-      <dgm:prSet presAssocID="{2CE8E3B4-20B1-4D51-BCBC-C6D4F41885E7}" presName="textRect" presStyleLbl="revTx" presStyleIdx="2" presStyleCnt="6" custScaleX="115313">
+      <dgm:prSet presAssocID="{2CE8E3B4-20B1-4D51-BCBC-C6D4F41885E7}" presName="textRect" presStyleLbl="revTx" presStyleIdx="2" presStyleCnt="6" custScaleX="115313" custLinFactNeighborY="4146">
         <dgm:presLayoutVars>
           <dgm:chMax val="1"/>
           <dgm:chPref val="1"/>
@@ -1705,8 +1705,8 @@
       </dsp:nvSpPr>
       <dsp:spPr>
         <a:xfrm>
-          <a:off x="348274" y="593068"/>
-          <a:ext cx="725310" cy="725310"/>
+          <a:off x="345683" y="598204"/>
+          <a:ext cx="720137" cy="720137"/>
         </a:xfrm>
         <a:prstGeom prst="rect">
           <a:avLst/>
@@ -1756,8 +1756,8 @@
       </dsp:nvSpPr>
       <dsp:spPr>
         <a:xfrm>
-          <a:off x="69808" y="1434809"/>
-          <a:ext cx="1420942" cy="704586"/>
+          <a:off x="69203" y="1433897"/>
+          <a:ext cx="1410806" cy="699560"/>
         </a:xfrm>
         <a:prstGeom prst="rect">
           <a:avLst/>
@@ -1805,8 +1805,8 @@
         </a:p>
       </dsp:txBody>
       <dsp:txXfrm>
-        <a:off x="69808" y="1434809"/>
-        <a:ext cx="1420942" cy="704586"/>
+        <a:off x="69203" y="1433897"/>
+        <a:ext cx="1410806" cy="699560"/>
       </dsp:txXfrm>
     </dsp:sp>
     <dsp:sp modelId="{F7F64BD6-C85E-4663-AA43-4248E95F471D}">
@@ -1816,8 +1816,8 @@
       </dsp:nvSpPr>
       <dsp:spPr>
         <a:xfrm>
-          <a:off x="1890498" y="642141"/>
-          <a:ext cx="725310" cy="725310"/>
+          <a:off x="1908575" y="646927"/>
+          <a:ext cx="720137" cy="720137"/>
         </a:xfrm>
         <a:prstGeom prst="rect">
           <a:avLst/>
@@ -1866,8 +1866,8 @@
       </dsp:nvSpPr>
       <dsp:spPr>
         <a:xfrm>
-          <a:off x="1805091" y="1469650"/>
-          <a:ext cx="896124" cy="508293"/>
+          <a:off x="1625256" y="1489413"/>
+          <a:ext cx="1286774" cy="504667"/>
         </a:xfrm>
         <a:prstGeom prst="rect">
           <a:avLst/>
@@ -1910,13 +1910,13 @@
           </a:pPr>
           <a:r>
             <a:rPr lang="en-US" sz="2000" kern="1200" dirty="0"/>
-            <a:t>Collin: API</a:t>
+            <a:t>Collin: API/Testing</a:t>
           </a:r>
         </a:p>
       </dsp:txBody>
       <dsp:txXfrm>
-        <a:off x="1805091" y="1469650"/>
-        <a:ext cx="896124" cy="508293"/>
+        <a:off x="1625256" y="1489413"/>
+        <a:ext cx="1286774" cy="504667"/>
       </dsp:txXfrm>
     </dsp:sp>
     <dsp:sp modelId="{8DD313C3-1652-4351-BA9A-4D66B98FB8DE}">
@@ -1926,8 +1926,8 @@
       </dsp:nvSpPr>
       <dsp:spPr>
         <a:xfrm>
-          <a:off x="3432709" y="642141"/>
-          <a:ext cx="725310" cy="725310"/>
+          <a:off x="3471455" y="646927"/>
+          <a:ext cx="720137" cy="720137"/>
         </a:xfrm>
         <a:prstGeom prst="rect">
           <a:avLst/>
@@ -1974,8 +1974,8 @@
       </dsp:nvSpPr>
       <dsp:spPr>
         <a:xfrm>
-          <a:off x="3084906" y="1469650"/>
-          <a:ext cx="1420917" cy="508293"/>
+          <a:off x="3126133" y="1489413"/>
+          <a:ext cx="1410782" cy="504667"/>
         </a:xfrm>
         <a:prstGeom prst="rect">
           <a:avLst/>
@@ -2041,8 +2041,8 @@
         </a:p>
       </dsp:txBody>
       <dsp:txXfrm>
-        <a:off x="3084906" y="1469650"/>
-        <a:ext cx="1420917" cy="508293"/>
+        <a:off x="3126133" y="1489413"/>
+        <a:ext cx="1410782" cy="504667"/>
       </dsp:txXfrm>
     </dsp:sp>
     <dsp:sp modelId="{0FB14C61-CD4C-463E-80A1-EE0E3972E241}">
@@ -2052,8 +2052,8 @@
       </dsp:nvSpPr>
       <dsp:spPr>
         <a:xfrm>
-          <a:off x="4974921" y="642141"/>
-          <a:ext cx="725310" cy="725310"/>
+          <a:off x="5002667" y="646927"/>
+          <a:ext cx="720137" cy="720137"/>
         </a:xfrm>
         <a:prstGeom prst="rect">
           <a:avLst/>
@@ -2100,8 +2100,8 @@
       </dsp:nvSpPr>
       <dsp:spPr>
         <a:xfrm>
-          <a:off x="4721463" y="1469650"/>
-          <a:ext cx="1232226" cy="508293"/>
+          <a:off x="4751017" y="1468490"/>
+          <a:ext cx="1223437" cy="504667"/>
         </a:xfrm>
         <a:prstGeom prst="rect">
           <a:avLst/>
@@ -2149,8 +2149,8 @@
         </a:p>
       </dsp:txBody>
       <dsp:txXfrm>
-        <a:off x="4721463" y="1469650"/>
-        <a:ext cx="1232226" cy="508293"/>
+        <a:off x="4751017" y="1468490"/>
+        <a:ext cx="1223437" cy="504667"/>
       </dsp:txXfrm>
     </dsp:sp>
     <dsp:sp modelId="{8B60DFF2-F314-4E83-8396-DCC413BB5A33}">
@@ -2160,8 +2160,8 @@
       </dsp:nvSpPr>
       <dsp:spPr>
         <a:xfrm>
-          <a:off x="6422787" y="642141"/>
-          <a:ext cx="725310" cy="725310"/>
+          <a:off x="6440206" y="646927"/>
+          <a:ext cx="720137" cy="720137"/>
         </a:xfrm>
         <a:prstGeom prst="rect">
           <a:avLst/>
@@ -2210,8 +2210,8 @@
       </dsp:nvSpPr>
       <dsp:spPr>
         <a:xfrm>
-          <a:off x="6169329" y="1469650"/>
-          <a:ext cx="1232226" cy="508293"/>
+          <a:off x="6188556" y="1468490"/>
+          <a:ext cx="1223437" cy="504667"/>
         </a:xfrm>
         <a:prstGeom prst="rect">
           <a:avLst/>
@@ -2259,8 +2259,8 @@
         </a:p>
       </dsp:txBody>
       <dsp:txXfrm>
-        <a:off x="6169329" y="1469650"/>
-        <a:ext cx="1232226" cy="508293"/>
+        <a:off x="6188556" y="1468490"/>
+        <a:ext cx="1223437" cy="504667"/>
       </dsp:txXfrm>
     </dsp:sp>
     <dsp:sp modelId="{1074F72A-3687-45D6-A418-A782ED1004F4}">
@@ -2270,8 +2270,8 @@
       </dsp:nvSpPr>
       <dsp:spPr>
         <a:xfrm>
-          <a:off x="7870653" y="642141"/>
-          <a:ext cx="725310" cy="725310"/>
+          <a:off x="7877745" y="646927"/>
+          <a:ext cx="720137" cy="720137"/>
         </a:xfrm>
         <a:prstGeom prst="rect">
           <a:avLst/>
@@ -2318,8 +2318,8 @@
       </dsp:nvSpPr>
       <dsp:spPr>
         <a:xfrm>
-          <a:off x="7617195" y="1469650"/>
-          <a:ext cx="1232226" cy="508293"/>
+          <a:off x="7626095" y="1468490"/>
+          <a:ext cx="1223437" cy="504667"/>
         </a:xfrm>
         <a:prstGeom prst="rect">
           <a:avLst/>
@@ -2367,8 +2367,8 @@
         </a:p>
       </dsp:txBody>
       <dsp:txXfrm>
-        <a:off x="7617195" y="1469650"/>
-        <a:ext cx="1232226" cy="508293"/>
+        <a:off x="7626095" y="1468490"/>
+        <a:ext cx="1223437" cy="504667"/>
       </dsp:txXfrm>
     </dsp:sp>
   </dsp:spTree>
@@ -4183,7 +4183,7 @@
           <a:p>
             <a:fld id="{BF01AEB7-DF1E-074E-AD3C-BD912806E15D}" type="slidenum">
               <a:rPr lang="en-US" smtClean="0"/>
-              <a:t>6</a:t>
+              <a:t>4</a:t>
             </a:fld>
             <a:endParaRPr lang="en-US"/>
           </a:p>
@@ -4272,7 +4272,7 @@
           <a:p>
             <a:fld id="{BF01AEB7-DF1E-074E-AD3C-BD912806E15D}" type="slidenum">
               <a:rPr lang="en-US" smtClean="0"/>
-              <a:t>7</a:t>
+              <a:t>6</a:t>
             </a:fld>
             <a:endParaRPr lang="en-US"/>
           </a:p>
@@ -8486,7 +8486,7 @@
             <p:ph idx="1"/>
             <p:extLst>
               <p:ext uri="{D42A27DB-BD31-4B8C-83A1-F6EECF244321}">
-                <p14:modId xmlns:p14="http://schemas.microsoft.com/office/powerpoint/2010/main" val="681265199"/>
+                <p14:modId xmlns:p14="http://schemas.microsoft.com/office/powerpoint/2010/main" val="2871273656"/>
               </p:ext>
             </p:extLst>
           </p:nvPr>
@@ -9042,8 +9042,8 @@
         </p:nvSpPr>
         <p:spPr>
           <a:xfrm>
-            <a:off x="603504" y="1268016"/>
-            <a:ext cx="4488449" cy="3242993"/>
+            <a:off x="367048" y="1268016"/>
+            <a:ext cx="5024805" cy="3242993"/>
           </a:xfrm>
           <a:prstGeom prst="rect">
             <a:avLst/>
@@ -9120,7 +9120,7 @@
             </a:pPr>
             <a:r>
               <a:rPr lang="en-US" sz="2800" dirty="0"/>
-              <a:t>Postman initially, then ARC </a:t>
+              <a:t>API: Postman initially, then ARC </a:t>
             </a:r>
           </a:p>
           <a:p>
@@ -9254,6 +9254,199 @@
 </file>
 
 <file path=ppt/slides/slide4.xml><?xml version="1.0" encoding="utf-8"?>
+<p:sld xmlns:a="http://schemas.openxmlformats.org/drawingml/2006/main" xmlns:r="http://schemas.openxmlformats.org/officeDocument/2006/relationships" xmlns:p="http://schemas.openxmlformats.org/presentationml/2006/main">
+  <p:cSld>
+    <p:bg>
+      <p:bgPr>
+        <a:solidFill>
+          <a:schemeClr val="bg1"/>
+        </a:solidFill>
+        <a:effectLst/>
+      </p:bgPr>
+    </p:bg>
+    <p:spTree>
+      <p:nvGrpSpPr>
+        <p:cNvPr id="1" name=""/>
+        <p:cNvGrpSpPr/>
+        <p:nvPr/>
+      </p:nvGrpSpPr>
+      <p:grpSpPr>
+        <a:xfrm>
+          <a:off x="0" y="0"/>
+          <a:ext cx="0" cy="0"/>
+          <a:chOff x="0" y="0"/>
+          <a:chExt cx="0" cy="0"/>
+        </a:xfrm>
+      </p:grpSpPr>
+      <p:sp>
+        <p:nvSpPr>
+          <p:cNvPr id="2" name="Title 1"/>
+          <p:cNvSpPr>
+            <a:spLocks noGrp="1"/>
+          </p:cNvSpPr>
+          <p:nvPr>
+            <p:ph type="title"/>
+          </p:nvPr>
+        </p:nvSpPr>
+        <p:spPr>
+          <a:xfrm>
+            <a:off x="256863" y="273844"/>
+            <a:ext cx="5616715" cy="1002297"/>
+          </a:xfrm>
+        </p:spPr>
+        <p:txBody>
+          <a:bodyPr anchor="t">
+            <a:noAutofit/>
+          </a:bodyPr>
+          <a:lstStyle/>
+          <a:p>
+            <a:r>
+              <a:rPr lang="en-US" sz="3200" b="1" dirty="0">
+                <a:latin typeface="Helvetica" charset="0"/>
+                <a:ea typeface="Helvetica" charset="0"/>
+                <a:cs typeface="Helvetica" charset="0"/>
+              </a:rPr>
+              <a:t>Entity Relationship Diagram</a:t>
+            </a:r>
+          </a:p>
+        </p:txBody>
+      </p:sp>
+      <p:sp>
+        <p:nvSpPr>
+          <p:cNvPr id="6" name="Rectangle 5">
+            <a:extLst>
+              <a:ext uri="{FF2B5EF4-FFF2-40B4-BE49-F238E27FC236}">
+                <a16:creationId xmlns:a16="http://schemas.microsoft.com/office/drawing/2014/main" id="{4D4009CB-27F6-A046-A2E7-AD46DD18CD8C}"/>
+              </a:ext>
+            </a:extLst>
+          </p:cNvPr>
+          <p:cNvSpPr/>
+          <p:nvPr/>
+        </p:nvSpPr>
+        <p:spPr>
+          <a:xfrm>
+            <a:off x="0" y="4918509"/>
+            <a:ext cx="9144000" cy="224991"/>
+          </a:xfrm>
+          <a:prstGeom prst="rect">
+            <a:avLst/>
+          </a:prstGeom>
+          <a:solidFill>
+            <a:srgbClr val="FFCA29"/>
+          </a:solidFill>
+          <a:ln>
+            <a:noFill/>
+          </a:ln>
+        </p:spPr>
+        <p:style>
+          <a:lnRef idx="2">
+            <a:schemeClr val="accent1">
+              <a:shade val="50000"/>
+            </a:schemeClr>
+          </a:lnRef>
+          <a:fillRef idx="1">
+            <a:schemeClr val="accent1"/>
+          </a:fillRef>
+          <a:effectRef idx="0">
+            <a:schemeClr val="accent1"/>
+          </a:effectRef>
+          <a:fontRef idx="minor">
+            <a:schemeClr val="lt1"/>
+          </a:fontRef>
+        </p:style>
+        <p:txBody>
+          <a:bodyPr rtlCol="0" anchor="ctr"/>
+          <a:lstStyle/>
+          <a:p>
+            <a:pPr algn="ctr"/>
+            <a:endParaRPr lang="en-US">
+              <a:solidFill>
+                <a:srgbClr val="FFCA29"/>
+              </a:solidFill>
+            </a:endParaRPr>
+          </a:p>
+        </p:txBody>
+      </p:sp>
+      <p:pic>
+        <p:nvPicPr>
+          <p:cNvPr id="7" name="Picture 6">
+            <a:extLst>
+              <a:ext uri="{FF2B5EF4-FFF2-40B4-BE49-F238E27FC236}">
+                <a16:creationId xmlns:a16="http://schemas.microsoft.com/office/drawing/2014/main" id="{9E09D80E-F921-C743-9CDE-35E075561587}"/>
+              </a:ext>
+            </a:extLst>
+          </p:cNvPr>
+          <p:cNvPicPr>
+            <a:picLocks noChangeAspect="1"/>
+          </p:cNvPicPr>
+          <p:nvPr/>
+        </p:nvPicPr>
+        <p:blipFill>
+          <a:blip r:embed="rId3">
+            <a:extLst>
+              <a:ext uri="{28A0092B-C50C-407E-A947-70E740481C1C}">
+                <a14:useLocalDpi xmlns:a14="http://schemas.microsoft.com/office/drawing/2010/main" val="0"/>
+              </a:ext>
+            </a:extLst>
+          </a:blip>
+          <a:stretch>
+            <a:fillRect/>
+          </a:stretch>
+        </p:blipFill>
+        <p:spPr>
+          <a:xfrm>
+            <a:off x="8464982" y="4431323"/>
+            <a:ext cx="527774" cy="712177"/>
+          </a:xfrm>
+          <a:prstGeom prst="rect">
+            <a:avLst/>
+          </a:prstGeom>
+        </p:spPr>
+      </p:pic>
+      <p:pic>
+        <p:nvPicPr>
+          <p:cNvPr id="5" name="Picture 4">
+            <a:extLst>
+              <a:ext uri="{FF2B5EF4-FFF2-40B4-BE49-F238E27FC236}">
+                <a16:creationId xmlns:a16="http://schemas.microsoft.com/office/drawing/2014/main" id="{DB00A2E6-FFEF-4A01-8FA3-8E491D415F57}"/>
+              </a:ext>
+            </a:extLst>
+          </p:cNvPr>
+          <p:cNvPicPr>
+            <a:picLocks noChangeAspect="1"/>
+          </p:cNvPicPr>
+          <p:nvPr/>
+        </p:nvPicPr>
+        <p:blipFill>
+          <a:blip r:embed="rId4"/>
+          <a:stretch>
+            <a:fillRect/>
+          </a:stretch>
+        </p:blipFill>
+        <p:spPr>
+          <a:xfrm>
+            <a:off x="375277" y="809399"/>
+            <a:ext cx="7761726" cy="3805463"/>
+          </a:xfrm>
+          <a:prstGeom prst="rect">
+            <a:avLst/>
+          </a:prstGeom>
+        </p:spPr>
+      </p:pic>
+    </p:spTree>
+    <p:extLst>
+      <p:ext uri="{BB962C8B-B14F-4D97-AF65-F5344CB8AC3E}">
+        <p14:creationId xmlns:p14="http://schemas.microsoft.com/office/powerpoint/2010/main" val="3693770247"/>
+      </p:ext>
+    </p:extLst>
+  </p:cSld>
+  <p:clrMapOvr>
+    <a:masterClrMapping/>
+  </p:clrMapOvr>
+</p:sld>
+</file>
+
+<file path=ppt/slides/slide5.xml><?xml version="1.0" encoding="utf-8"?>
 <p:sld xmlns:a="http://schemas.openxmlformats.org/drawingml/2006/main" xmlns:r="http://schemas.openxmlformats.org/officeDocument/2006/relationships" xmlns:p="http://schemas.openxmlformats.org/presentationml/2006/main">
   <p:cSld>
     <p:bg>
@@ -10109,7 +10302,200 @@
 </p:sld>
 </file>
 
-<file path=ppt/slides/slide5.xml><?xml version="1.0" encoding="utf-8"?>
+<file path=ppt/slides/slide6.xml><?xml version="1.0" encoding="utf-8"?>
+<p:sld xmlns:a="http://schemas.openxmlformats.org/drawingml/2006/main" xmlns:r="http://schemas.openxmlformats.org/officeDocument/2006/relationships" xmlns:p="http://schemas.openxmlformats.org/presentationml/2006/main">
+  <p:cSld>
+    <p:bg>
+      <p:bgPr>
+        <a:solidFill>
+          <a:schemeClr val="bg1"/>
+        </a:solidFill>
+        <a:effectLst/>
+      </p:bgPr>
+    </p:bg>
+    <p:spTree>
+      <p:nvGrpSpPr>
+        <p:cNvPr id="1" name=""/>
+        <p:cNvGrpSpPr/>
+        <p:nvPr/>
+      </p:nvGrpSpPr>
+      <p:grpSpPr>
+        <a:xfrm>
+          <a:off x="0" y="0"/>
+          <a:ext cx="0" cy="0"/>
+          <a:chOff x="0" y="0"/>
+          <a:chExt cx="0" cy="0"/>
+        </a:xfrm>
+      </p:grpSpPr>
+      <p:sp>
+        <p:nvSpPr>
+          <p:cNvPr id="2" name="Title 1"/>
+          <p:cNvSpPr>
+            <a:spLocks noGrp="1"/>
+          </p:cNvSpPr>
+          <p:nvPr>
+            <p:ph type="title"/>
+          </p:nvPr>
+        </p:nvSpPr>
+        <p:spPr>
+          <a:xfrm>
+            <a:off x="237211" y="2070601"/>
+            <a:ext cx="3852915" cy="1002297"/>
+          </a:xfrm>
+        </p:spPr>
+        <p:txBody>
+          <a:bodyPr anchor="t">
+            <a:noAutofit/>
+          </a:bodyPr>
+          <a:lstStyle/>
+          <a:p>
+            <a:r>
+              <a:rPr lang="en-US" sz="3200" b="1" dirty="0">
+                <a:latin typeface="Helvetica" charset="0"/>
+                <a:ea typeface="Helvetica" charset="0"/>
+                <a:cs typeface="Helvetica" charset="0"/>
+              </a:rPr>
+              <a:t>Use Case Diagram </a:t>
+            </a:r>
+          </a:p>
+        </p:txBody>
+      </p:sp>
+      <p:sp>
+        <p:nvSpPr>
+          <p:cNvPr id="6" name="Rectangle 5">
+            <a:extLst>
+              <a:ext uri="{FF2B5EF4-FFF2-40B4-BE49-F238E27FC236}">
+                <a16:creationId xmlns:a16="http://schemas.microsoft.com/office/drawing/2014/main" id="{4D4009CB-27F6-A046-A2E7-AD46DD18CD8C}"/>
+              </a:ext>
+            </a:extLst>
+          </p:cNvPr>
+          <p:cNvSpPr/>
+          <p:nvPr/>
+        </p:nvSpPr>
+        <p:spPr>
+          <a:xfrm>
+            <a:off x="0" y="4918509"/>
+            <a:ext cx="9144000" cy="224991"/>
+          </a:xfrm>
+          <a:prstGeom prst="rect">
+            <a:avLst/>
+          </a:prstGeom>
+          <a:solidFill>
+            <a:srgbClr val="FFCA29"/>
+          </a:solidFill>
+          <a:ln>
+            <a:noFill/>
+          </a:ln>
+        </p:spPr>
+        <p:style>
+          <a:lnRef idx="2">
+            <a:schemeClr val="accent1">
+              <a:shade val="50000"/>
+            </a:schemeClr>
+          </a:lnRef>
+          <a:fillRef idx="1">
+            <a:schemeClr val="accent1"/>
+          </a:fillRef>
+          <a:effectRef idx="0">
+            <a:schemeClr val="accent1"/>
+          </a:effectRef>
+          <a:fontRef idx="minor">
+            <a:schemeClr val="lt1"/>
+          </a:fontRef>
+        </p:style>
+        <p:txBody>
+          <a:bodyPr rtlCol="0" anchor="ctr"/>
+          <a:lstStyle/>
+          <a:p>
+            <a:pPr algn="ctr"/>
+            <a:endParaRPr lang="en-US">
+              <a:solidFill>
+                <a:srgbClr val="FFCA29"/>
+              </a:solidFill>
+            </a:endParaRPr>
+          </a:p>
+        </p:txBody>
+      </p:sp>
+      <p:pic>
+        <p:nvPicPr>
+          <p:cNvPr id="7" name="Picture 6">
+            <a:extLst>
+              <a:ext uri="{FF2B5EF4-FFF2-40B4-BE49-F238E27FC236}">
+                <a16:creationId xmlns:a16="http://schemas.microsoft.com/office/drawing/2014/main" id="{9E09D80E-F921-C743-9CDE-35E075561587}"/>
+              </a:ext>
+            </a:extLst>
+          </p:cNvPr>
+          <p:cNvPicPr>
+            <a:picLocks noChangeAspect="1"/>
+          </p:cNvPicPr>
+          <p:nvPr/>
+        </p:nvPicPr>
+        <p:blipFill>
+          <a:blip r:embed="rId3">
+            <a:extLst>
+              <a:ext uri="{28A0092B-C50C-407E-A947-70E740481C1C}">
+                <a14:useLocalDpi xmlns:a14="http://schemas.microsoft.com/office/drawing/2010/main" val="0"/>
+              </a:ext>
+            </a:extLst>
+          </a:blip>
+          <a:stretch>
+            <a:fillRect/>
+          </a:stretch>
+        </p:blipFill>
+        <p:spPr>
+          <a:xfrm>
+            <a:off x="8464982" y="4431323"/>
+            <a:ext cx="527774" cy="712177"/>
+          </a:xfrm>
+          <a:prstGeom prst="rect">
+            <a:avLst/>
+          </a:prstGeom>
+        </p:spPr>
+      </p:pic>
+      <p:pic>
+        <p:nvPicPr>
+          <p:cNvPr id="5" name="Picture 4">
+            <a:extLst>
+              <a:ext uri="{FF2B5EF4-FFF2-40B4-BE49-F238E27FC236}">
+                <a16:creationId xmlns:a16="http://schemas.microsoft.com/office/drawing/2014/main" id="{7A18D0DE-02C1-4715-AE15-BE567272BF2A}"/>
+              </a:ext>
+            </a:extLst>
+          </p:cNvPr>
+          <p:cNvPicPr>
+            <a:picLocks noChangeAspect="1"/>
+          </p:cNvPicPr>
+          <p:nvPr/>
+        </p:nvPicPr>
+        <p:blipFill>
+          <a:blip r:embed="rId4"/>
+          <a:stretch>
+            <a:fillRect/>
+          </a:stretch>
+        </p:blipFill>
+        <p:spPr>
+          <a:xfrm>
+            <a:off x="3964002" y="275394"/>
+            <a:ext cx="4500980" cy="4592712"/>
+          </a:xfrm>
+          <a:prstGeom prst="rect">
+            <a:avLst/>
+          </a:prstGeom>
+        </p:spPr>
+      </p:pic>
+    </p:spTree>
+    <p:extLst>
+      <p:ext uri="{BB962C8B-B14F-4D97-AF65-F5344CB8AC3E}">
+        <p14:creationId xmlns:p14="http://schemas.microsoft.com/office/powerpoint/2010/main" val="2355634225"/>
+      </p:ext>
+    </p:extLst>
+  </p:cSld>
+  <p:clrMapOvr>
+    <a:masterClrMapping/>
+  </p:clrMapOvr>
+</p:sld>
+</file>
+
+<file path=ppt/slides/slide7.xml><?xml version="1.0" encoding="utf-8"?>
 <p:sld xmlns:a="http://schemas.openxmlformats.org/drawingml/2006/main" xmlns:r="http://schemas.openxmlformats.org/officeDocument/2006/relationships" xmlns:p="http://schemas.openxmlformats.org/presentationml/2006/main">
   <p:cSld>
     <p:bg>
@@ -10831,392 +11217,6 @@
     <p:extLst>
       <p:ext uri="{BB962C8B-B14F-4D97-AF65-F5344CB8AC3E}">
         <p14:creationId xmlns:p14="http://schemas.microsoft.com/office/powerpoint/2010/main" val="1994819465"/>
-      </p:ext>
-    </p:extLst>
-  </p:cSld>
-  <p:clrMapOvr>
-    <a:masterClrMapping/>
-  </p:clrMapOvr>
-</p:sld>
-</file>
-
-<file path=ppt/slides/slide6.xml><?xml version="1.0" encoding="utf-8"?>
-<p:sld xmlns:a="http://schemas.openxmlformats.org/drawingml/2006/main" xmlns:r="http://schemas.openxmlformats.org/officeDocument/2006/relationships" xmlns:p="http://schemas.openxmlformats.org/presentationml/2006/main">
-  <p:cSld>
-    <p:bg>
-      <p:bgPr>
-        <a:solidFill>
-          <a:schemeClr val="bg1"/>
-        </a:solidFill>
-        <a:effectLst/>
-      </p:bgPr>
-    </p:bg>
-    <p:spTree>
-      <p:nvGrpSpPr>
-        <p:cNvPr id="1" name=""/>
-        <p:cNvGrpSpPr/>
-        <p:nvPr/>
-      </p:nvGrpSpPr>
-      <p:grpSpPr>
-        <a:xfrm>
-          <a:off x="0" y="0"/>
-          <a:ext cx="0" cy="0"/>
-          <a:chOff x="0" y="0"/>
-          <a:chExt cx="0" cy="0"/>
-        </a:xfrm>
-      </p:grpSpPr>
-      <p:sp>
-        <p:nvSpPr>
-          <p:cNvPr id="2" name="Title 1"/>
-          <p:cNvSpPr>
-            <a:spLocks noGrp="1"/>
-          </p:cNvSpPr>
-          <p:nvPr>
-            <p:ph type="title"/>
-          </p:nvPr>
-        </p:nvSpPr>
-        <p:spPr>
-          <a:xfrm>
-            <a:off x="256863" y="273844"/>
-            <a:ext cx="5616715" cy="1002297"/>
-          </a:xfrm>
-        </p:spPr>
-        <p:txBody>
-          <a:bodyPr anchor="t">
-            <a:noAutofit/>
-          </a:bodyPr>
-          <a:lstStyle/>
-          <a:p>
-            <a:r>
-              <a:rPr lang="en-US" sz="3200" b="1" dirty="0">
-                <a:latin typeface="Helvetica" charset="0"/>
-                <a:ea typeface="Helvetica" charset="0"/>
-                <a:cs typeface="Helvetica" charset="0"/>
-              </a:rPr>
-              <a:t>Entity Relationship Diagram</a:t>
-            </a:r>
-          </a:p>
-        </p:txBody>
-      </p:sp>
-      <p:sp>
-        <p:nvSpPr>
-          <p:cNvPr id="6" name="Rectangle 5">
-            <a:extLst>
-              <a:ext uri="{FF2B5EF4-FFF2-40B4-BE49-F238E27FC236}">
-                <a16:creationId xmlns:a16="http://schemas.microsoft.com/office/drawing/2014/main" id="{4D4009CB-27F6-A046-A2E7-AD46DD18CD8C}"/>
-              </a:ext>
-            </a:extLst>
-          </p:cNvPr>
-          <p:cNvSpPr/>
-          <p:nvPr/>
-        </p:nvSpPr>
-        <p:spPr>
-          <a:xfrm>
-            <a:off x="0" y="4918509"/>
-            <a:ext cx="9144000" cy="224991"/>
-          </a:xfrm>
-          <a:prstGeom prst="rect">
-            <a:avLst/>
-          </a:prstGeom>
-          <a:solidFill>
-            <a:srgbClr val="FFCA29"/>
-          </a:solidFill>
-          <a:ln>
-            <a:noFill/>
-          </a:ln>
-        </p:spPr>
-        <p:style>
-          <a:lnRef idx="2">
-            <a:schemeClr val="accent1">
-              <a:shade val="50000"/>
-            </a:schemeClr>
-          </a:lnRef>
-          <a:fillRef idx="1">
-            <a:schemeClr val="accent1"/>
-          </a:fillRef>
-          <a:effectRef idx="0">
-            <a:schemeClr val="accent1"/>
-          </a:effectRef>
-          <a:fontRef idx="minor">
-            <a:schemeClr val="lt1"/>
-          </a:fontRef>
-        </p:style>
-        <p:txBody>
-          <a:bodyPr rtlCol="0" anchor="ctr"/>
-          <a:lstStyle/>
-          <a:p>
-            <a:pPr algn="ctr"/>
-            <a:endParaRPr lang="en-US">
-              <a:solidFill>
-                <a:srgbClr val="FFCA29"/>
-              </a:solidFill>
-            </a:endParaRPr>
-          </a:p>
-        </p:txBody>
-      </p:sp>
-      <p:pic>
-        <p:nvPicPr>
-          <p:cNvPr id="7" name="Picture 6">
-            <a:extLst>
-              <a:ext uri="{FF2B5EF4-FFF2-40B4-BE49-F238E27FC236}">
-                <a16:creationId xmlns:a16="http://schemas.microsoft.com/office/drawing/2014/main" id="{9E09D80E-F921-C743-9CDE-35E075561587}"/>
-              </a:ext>
-            </a:extLst>
-          </p:cNvPr>
-          <p:cNvPicPr>
-            <a:picLocks noChangeAspect="1"/>
-          </p:cNvPicPr>
-          <p:nvPr/>
-        </p:nvPicPr>
-        <p:blipFill>
-          <a:blip r:embed="rId3">
-            <a:extLst>
-              <a:ext uri="{28A0092B-C50C-407E-A947-70E740481C1C}">
-                <a14:useLocalDpi xmlns:a14="http://schemas.microsoft.com/office/drawing/2010/main" val="0"/>
-              </a:ext>
-            </a:extLst>
-          </a:blip>
-          <a:stretch>
-            <a:fillRect/>
-          </a:stretch>
-        </p:blipFill>
-        <p:spPr>
-          <a:xfrm>
-            <a:off x="8464982" y="4431323"/>
-            <a:ext cx="527774" cy="712177"/>
-          </a:xfrm>
-          <a:prstGeom prst="rect">
-            <a:avLst/>
-          </a:prstGeom>
-        </p:spPr>
-      </p:pic>
-      <p:pic>
-        <p:nvPicPr>
-          <p:cNvPr id="5" name="Picture 4">
-            <a:extLst>
-              <a:ext uri="{FF2B5EF4-FFF2-40B4-BE49-F238E27FC236}">
-                <a16:creationId xmlns:a16="http://schemas.microsoft.com/office/drawing/2014/main" id="{DB00A2E6-FFEF-4A01-8FA3-8E491D415F57}"/>
-              </a:ext>
-            </a:extLst>
-          </p:cNvPr>
-          <p:cNvPicPr>
-            <a:picLocks noChangeAspect="1"/>
-          </p:cNvPicPr>
-          <p:nvPr/>
-        </p:nvPicPr>
-        <p:blipFill>
-          <a:blip r:embed="rId4"/>
-          <a:stretch>
-            <a:fillRect/>
-          </a:stretch>
-        </p:blipFill>
-        <p:spPr>
-          <a:xfrm>
-            <a:off x="375277" y="809399"/>
-            <a:ext cx="7761726" cy="3805463"/>
-          </a:xfrm>
-          <a:prstGeom prst="rect">
-            <a:avLst/>
-          </a:prstGeom>
-        </p:spPr>
-      </p:pic>
-    </p:spTree>
-    <p:extLst>
-      <p:ext uri="{BB962C8B-B14F-4D97-AF65-F5344CB8AC3E}">
-        <p14:creationId xmlns:p14="http://schemas.microsoft.com/office/powerpoint/2010/main" val="3693770247"/>
-      </p:ext>
-    </p:extLst>
-  </p:cSld>
-  <p:clrMapOvr>
-    <a:masterClrMapping/>
-  </p:clrMapOvr>
-</p:sld>
-</file>
-
-<file path=ppt/slides/slide7.xml><?xml version="1.0" encoding="utf-8"?>
-<p:sld xmlns:a="http://schemas.openxmlformats.org/drawingml/2006/main" xmlns:r="http://schemas.openxmlformats.org/officeDocument/2006/relationships" xmlns:p="http://schemas.openxmlformats.org/presentationml/2006/main">
-  <p:cSld>
-    <p:bg>
-      <p:bgPr>
-        <a:solidFill>
-          <a:schemeClr val="bg1"/>
-        </a:solidFill>
-        <a:effectLst/>
-      </p:bgPr>
-    </p:bg>
-    <p:spTree>
-      <p:nvGrpSpPr>
-        <p:cNvPr id="1" name=""/>
-        <p:cNvGrpSpPr/>
-        <p:nvPr/>
-      </p:nvGrpSpPr>
-      <p:grpSpPr>
-        <a:xfrm>
-          <a:off x="0" y="0"/>
-          <a:ext cx="0" cy="0"/>
-          <a:chOff x="0" y="0"/>
-          <a:chExt cx="0" cy="0"/>
-        </a:xfrm>
-      </p:grpSpPr>
-      <p:sp>
-        <p:nvSpPr>
-          <p:cNvPr id="2" name="Title 1"/>
-          <p:cNvSpPr>
-            <a:spLocks noGrp="1"/>
-          </p:cNvSpPr>
-          <p:nvPr>
-            <p:ph type="title"/>
-          </p:nvPr>
-        </p:nvSpPr>
-        <p:spPr>
-          <a:xfrm>
-            <a:off x="237211" y="2070601"/>
-            <a:ext cx="3852915" cy="1002297"/>
-          </a:xfrm>
-        </p:spPr>
-        <p:txBody>
-          <a:bodyPr anchor="t">
-            <a:noAutofit/>
-          </a:bodyPr>
-          <a:lstStyle/>
-          <a:p>
-            <a:r>
-              <a:rPr lang="en-US" sz="3200" b="1" dirty="0">
-                <a:latin typeface="Helvetica" charset="0"/>
-                <a:ea typeface="Helvetica" charset="0"/>
-                <a:cs typeface="Helvetica" charset="0"/>
-              </a:rPr>
-              <a:t>Use Case Diagram </a:t>
-            </a:r>
-          </a:p>
-        </p:txBody>
-      </p:sp>
-      <p:sp>
-        <p:nvSpPr>
-          <p:cNvPr id="6" name="Rectangle 5">
-            <a:extLst>
-              <a:ext uri="{FF2B5EF4-FFF2-40B4-BE49-F238E27FC236}">
-                <a16:creationId xmlns:a16="http://schemas.microsoft.com/office/drawing/2014/main" id="{4D4009CB-27F6-A046-A2E7-AD46DD18CD8C}"/>
-              </a:ext>
-            </a:extLst>
-          </p:cNvPr>
-          <p:cNvSpPr/>
-          <p:nvPr/>
-        </p:nvSpPr>
-        <p:spPr>
-          <a:xfrm>
-            <a:off x="0" y="4918509"/>
-            <a:ext cx="9144000" cy="224991"/>
-          </a:xfrm>
-          <a:prstGeom prst="rect">
-            <a:avLst/>
-          </a:prstGeom>
-          <a:solidFill>
-            <a:srgbClr val="FFCA29"/>
-          </a:solidFill>
-          <a:ln>
-            <a:noFill/>
-          </a:ln>
-        </p:spPr>
-        <p:style>
-          <a:lnRef idx="2">
-            <a:schemeClr val="accent1">
-              <a:shade val="50000"/>
-            </a:schemeClr>
-          </a:lnRef>
-          <a:fillRef idx="1">
-            <a:schemeClr val="accent1"/>
-          </a:fillRef>
-          <a:effectRef idx="0">
-            <a:schemeClr val="accent1"/>
-          </a:effectRef>
-          <a:fontRef idx="minor">
-            <a:schemeClr val="lt1"/>
-          </a:fontRef>
-        </p:style>
-        <p:txBody>
-          <a:bodyPr rtlCol="0" anchor="ctr"/>
-          <a:lstStyle/>
-          <a:p>
-            <a:pPr algn="ctr"/>
-            <a:endParaRPr lang="en-US">
-              <a:solidFill>
-                <a:srgbClr val="FFCA29"/>
-              </a:solidFill>
-            </a:endParaRPr>
-          </a:p>
-        </p:txBody>
-      </p:sp>
-      <p:pic>
-        <p:nvPicPr>
-          <p:cNvPr id="7" name="Picture 6">
-            <a:extLst>
-              <a:ext uri="{FF2B5EF4-FFF2-40B4-BE49-F238E27FC236}">
-                <a16:creationId xmlns:a16="http://schemas.microsoft.com/office/drawing/2014/main" id="{9E09D80E-F921-C743-9CDE-35E075561587}"/>
-              </a:ext>
-            </a:extLst>
-          </p:cNvPr>
-          <p:cNvPicPr>
-            <a:picLocks noChangeAspect="1"/>
-          </p:cNvPicPr>
-          <p:nvPr/>
-        </p:nvPicPr>
-        <p:blipFill>
-          <a:blip r:embed="rId3">
-            <a:extLst>
-              <a:ext uri="{28A0092B-C50C-407E-A947-70E740481C1C}">
-                <a14:useLocalDpi xmlns:a14="http://schemas.microsoft.com/office/drawing/2010/main" val="0"/>
-              </a:ext>
-            </a:extLst>
-          </a:blip>
-          <a:stretch>
-            <a:fillRect/>
-          </a:stretch>
-        </p:blipFill>
-        <p:spPr>
-          <a:xfrm>
-            <a:off x="8464982" y="4431323"/>
-            <a:ext cx="527774" cy="712177"/>
-          </a:xfrm>
-          <a:prstGeom prst="rect">
-            <a:avLst/>
-          </a:prstGeom>
-        </p:spPr>
-      </p:pic>
-      <p:pic>
-        <p:nvPicPr>
-          <p:cNvPr id="5" name="Picture 4">
-            <a:extLst>
-              <a:ext uri="{FF2B5EF4-FFF2-40B4-BE49-F238E27FC236}">
-                <a16:creationId xmlns:a16="http://schemas.microsoft.com/office/drawing/2014/main" id="{7A18D0DE-02C1-4715-AE15-BE567272BF2A}"/>
-              </a:ext>
-            </a:extLst>
-          </p:cNvPr>
-          <p:cNvPicPr>
-            <a:picLocks noChangeAspect="1"/>
-          </p:cNvPicPr>
-          <p:nvPr/>
-        </p:nvPicPr>
-        <p:blipFill>
-          <a:blip r:embed="rId4"/>
-          <a:stretch>
-            <a:fillRect/>
-          </a:stretch>
-        </p:blipFill>
-        <p:spPr>
-          <a:xfrm>
-            <a:off x="3964002" y="275394"/>
-            <a:ext cx="4500980" cy="4592712"/>
-          </a:xfrm>
-          <a:prstGeom prst="rect">
-            <a:avLst/>
-          </a:prstGeom>
-        </p:spPr>
-      </p:pic>
-    </p:spTree>
-    <p:extLst>
-      <p:ext uri="{BB962C8B-B14F-4D97-AF65-F5344CB8AC3E}">
-        <p14:creationId xmlns:p14="http://schemas.microsoft.com/office/powerpoint/2010/main" val="2355634225"/>
       </p:ext>
     </p:extLst>
   </p:cSld>
